--- a/docs/Relatorio.pptx
+++ b/docs/Relatorio.pptx
@@ -15185,8 +15185,8 @@
         </a:p>
       </dsp:txBody>
       <dsp:txXfrm>
-        <a:off x="2065268" y="-2001289"/>
-        <a:ext cx="95958" cy="5545666"/>
+        <a:off x="2065268" y="51543"/>
+        <a:ext cx="95958" cy="1440000"/>
       </dsp:txXfrm>
     </dsp:sp>
     <dsp:sp modelId="{9B6E235D-4D68-4C78-AAAE-5738B71403D3}">
@@ -15354,8 +15354,8 @@
         </a:p>
       </dsp:txBody>
       <dsp:txXfrm>
-        <a:off x="4265620" y="-2001289"/>
-        <a:ext cx="95958" cy="5545666"/>
+        <a:off x="4265620" y="51543"/>
+        <a:ext cx="95958" cy="1440000"/>
       </dsp:txXfrm>
     </dsp:sp>
     <dsp:sp modelId="{9F09C1BE-C5E8-4C1D-BA65-964D1DEC39C8}">
@@ -15522,8 +15522,8 @@
         </a:p>
       </dsp:txBody>
       <dsp:txXfrm>
-        <a:off x="6465973" y="-2001289"/>
-        <a:ext cx="95958" cy="5545666"/>
+        <a:off x="6465973" y="51543"/>
+        <a:ext cx="95958" cy="1440000"/>
       </dsp:txXfrm>
     </dsp:sp>
     <dsp:sp modelId="{CA7BC67E-ACD9-42DA-BD03-5D2D95311BC6}">
@@ -15696,8 +15696,8 @@
         </a:p>
       </dsp:txBody>
       <dsp:txXfrm>
-        <a:off x="3649312" y="1742816"/>
-        <a:ext cx="1362774" cy="24544"/>
+        <a:off x="3649312" y="1035087"/>
+        <a:ext cx="1362774" cy="1440002"/>
       </dsp:txXfrm>
     </dsp:sp>
     <dsp:sp modelId="{7FDEAEA9-1F2F-4F92-9E6D-40170716889B}">
@@ -15871,8 +15871,8 @@
         </a:p>
       </dsp:txBody>
       <dsp:txXfrm>
-        <a:off x="2065268" y="0"/>
-        <a:ext cx="95958" cy="5545666"/>
+        <a:off x="2065268" y="2052833"/>
+        <a:ext cx="95958" cy="1440000"/>
       </dsp:txXfrm>
     </dsp:sp>
     <dsp:sp modelId="{C4E9C84C-DAAE-4C71-9CDF-244D7549C737}">
@@ -16039,8 +16039,8 @@
         </a:p>
       </dsp:txBody>
       <dsp:txXfrm>
-        <a:off x="4265620" y="0"/>
-        <a:ext cx="95958" cy="5545666"/>
+        <a:off x="4265620" y="2052833"/>
+        <a:ext cx="95958" cy="1440000"/>
       </dsp:txXfrm>
     </dsp:sp>
     <dsp:sp modelId="{7F6ABA70-1668-4E97-B505-913D33EE47B3}">
@@ -16214,8 +16214,8 @@
         </a:p>
       </dsp:txBody>
       <dsp:txXfrm>
-        <a:off x="6465973" y="2760560"/>
-        <a:ext cx="95958" cy="24544"/>
+        <a:off x="6465973" y="2052832"/>
+        <a:ext cx="95958" cy="1440002"/>
       </dsp:txXfrm>
     </dsp:sp>
     <dsp:sp modelId="{6051DC3F-052F-46A6-89C3-9E0ED1DFCA86}">
@@ -16388,8 +16388,8 @@
         </a:p>
       </dsp:txBody>
       <dsp:txXfrm>
-        <a:off x="3649311" y="983544"/>
-        <a:ext cx="1362777" cy="5545666"/>
+        <a:off x="3649311" y="3036377"/>
+        <a:ext cx="1362777" cy="1440000"/>
       </dsp:txXfrm>
     </dsp:sp>
     <dsp:sp modelId="{58D80364-97B1-4BC9-8DFE-2D3296C646E1}">
@@ -16601,8 +16601,8 @@
         </a:p>
       </dsp:txBody>
       <dsp:txXfrm>
-        <a:off x="2065268" y="2001289"/>
-        <a:ext cx="95958" cy="5545666"/>
+        <a:off x="2065268" y="4054122"/>
+        <a:ext cx="95958" cy="1440000"/>
       </dsp:txXfrm>
     </dsp:sp>
     <dsp:sp modelId="{430E40E5-7795-4941-B446-3642D229755B}">
@@ -32850,7 +32850,7 @@
           <a:p>
             <a:fld id="{06F74635-733A-4B5F-92C0-3ACDFC8D0A6A}" type="datetimeFigureOut">
               <a:rPr lang="en-US" smtClean="0"/>
-              <a:t>12/6/2025</a:t>
+              <a:t>12/7/2025</a:t>
             </a:fld>
             <a:endParaRPr lang="en-US"/>
           </a:p>
@@ -33593,7 +33593,7 @@
           <a:p>
             <a:fld id="{5BCAD085-E8A6-8845-BD4E-CB4CCA059FC4}" type="datetimeFigureOut">
               <a:rPr lang="en-US" smtClean="0"/>
-              <a:t>12/6/2025</a:t>
+              <a:t>12/7/2025</a:t>
             </a:fld>
             <a:endParaRPr lang="en-US"/>
           </a:p>
@@ -33761,7 +33761,7 @@
           <a:p>
             <a:fld id="{5BCAD085-E8A6-8845-BD4E-CB4CCA059FC4}" type="datetimeFigureOut">
               <a:rPr lang="en-US" smtClean="0"/>
-              <a:t>12/6/2025</a:t>
+              <a:t>12/7/2025</a:t>
             </a:fld>
             <a:endParaRPr lang="en-US"/>
           </a:p>
@@ -33939,7 +33939,7 @@
           <a:p>
             <a:fld id="{5BCAD085-E8A6-8845-BD4E-CB4CCA059FC4}" type="datetimeFigureOut">
               <a:rPr lang="en-US" smtClean="0"/>
-              <a:t>12/6/2025</a:t>
+              <a:t>12/7/2025</a:t>
             </a:fld>
             <a:endParaRPr lang="en-US"/>
           </a:p>
@@ -34107,7 +34107,7 @@
           <a:p>
             <a:fld id="{5BCAD085-E8A6-8845-BD4E-CB4CCA059FC4}" type="datetimeFigureOut">
               <a:rPr lang="en-US" smtClean="0"/>
-              <a:t>12/6/2025</a:t>
+              <a:t>12/7/2025</a:t>
             </a:fld>
             <a:endParaRPr lang="en-US"/>
           </a:p>
@@ -34352,7 +34352,7 @@
           <a:p>
             <a:fld id="{5BCAD085-E8A6-8845-BD4E-CB4CCA059FC4}" type="datetimeFigureOut">
               <a:rPr lang="en-US" smtClean="0"/>
-              <a:t>12/6/2025</a:t>
+              <a:t>12/7/2025</a:t>
             </a:fld>
             <a:endParaRPr lang="en-US"/>
           </a:p>
@@ -34637,7 +34637,7 @@
           <a:p>
             <a:fld id="{5BCAD085-E8A6-8845-BD4E-CB4CCA059FC4}" type="datetimeFigureOut">
               <a:rPr lang="en-US" smtClean="0"/>
-              <a:t>12/6/2025</a:t>
+              <a:t>12/7/2025</a:t>
             </a:fld>
             <a:endParaRPr lang="en-US"/>
           </a:p>
@@ -35056,7 +35056,7 @@
           <a:p>
             <a:fld id="{5BCAD085-E8A6-8845-BD4E-CB4CCA059FC4}" type="datetimeFigureOut">
               <a:rPr lang="en-US" smtClean="0"/>
-              <a:t>12/6/2025</a:t>
+              <a:t>12/7/2025</a:t>
             </a:fld>
             <a:endParaRPr lang="en-US"/>
           </a:p>
@@ -35173,7 +35173,7 @@
           <a:p>
             <a:fld id="{5BCAD085-E8A6-8845-BD4E-CB4CCA059FC4}" type="datetimeFigureOut">
               <a:rPr lang="en-US" smtClean="0"/>
-              <a:t>12/6/2025</a:t>
+              <a:t>12/7/2025</a:t>
             </a:fld>
             <a:endParaRPr lang="en-US"/>
           </a:p>
@@ -35268,7 +35268,7 @@
           <a:p>
             <a:fld id="{5BCAD085-E8A6-8845-BD4E-CB4CCA059FC4}" type="datetimeFigureOut">
               <a:rPr lang="en-US" smtClean="0"/>
-              <a:t>12/6/2025</a:t>
+              <a:t>12/7/2025</a:t>
             </a:fld>
             <a:endParaRPr lang="en-US"/>
           </a:p>
@@ -35543,7 +35543,7 @@
           <a:p>
             <a:fld id="{5BCAD085-E8A6-8845-BD4E-CB4CCA059FC4}" type="datetimeFigureOut">
               <a:rPr lang="en-US" smtClean="0"/>
-              <a:t>12/6/2025</a:t>
+              <a:t>12/7/2025</a:t>
             </a:fld>
             <a:endParaRPr lang="en-US"/>
           </a:p>
@@ -35795,7 +35795,7 @@
           <a:p>
             <a:fld id="{5BCAD085-E8A6-8845-BD4E-CB4CCA059FC4}" type="datetimeFigureOut">
               <a:rPr lang="en-US" smtClean="0"/>
-              <a:t>12/6/2025</a:t>
+              <a:t>12/7/2025</a:t>
             </a:fld>
             <a:endParaRPr lang="en-US"/>
           </a:p>
@@ -36006,7 +36006,7 @@
           <a:p>
             <a:fld id="{5BCAD085-E8A6-8845-BD4E-CB4CCA059FC4}" type="datetimeFigureOut">
               <a:rPr lang="en-US" smtClean="0"/>
-              <a:t>12/6/2025</a:t>
+              <a:t>12/7/2025</a:t>
             </a:fld>
             <a:endParaRPr lang="en-US"/>
           </a:p>
@@ -40393,85 +40393,22 @@
             <a:off x="4787662" y="1246863"/>
             <a:ext cx="3513707" cy="2556000"/>
           </a:xfrm>
-          <a:prstGeom prst="roundRect">
-            <a:avLst>
-              <a:gd name="adj" fmla="val 16667"/>
-            </a:avLst>
+          <a:prstGeom prst="rect">
+            <a:avLst/>
           </a:prstGeom>
-          <a:ln>
-            <a:noFill/>
-          </a:ln>
-          <a:effectLst>
-            <a:outerShdw blurRad="152400" dist="12000" dir="900000" sy="98000" kx="110000" ky="200000" algn="tl" rotWithShape="0">
-              <a:srgbClr val="000000">
-                <a:alpha val="30000"/>
-              </a:srgbClr>
-            </a:outerShdw>
-          </a:effectLst>
+          <a:solidFill>
+            <a:srgbClr val="FFFFFF"/>
+          </a:solidFill>
           <a:scene3d>
-            <a:camera prst="perspectiveRelaxed">
-              <a:rot lat="19800000" lon="1200000" rev="20820000"/>
-            </a:camera>
-            <a:lightRig rig="threePt" dir="t"/>
+            <a:camera prst="orthographicFront"/>
+            <a:lightRig rig="threePt" dir="t">
+              <a:rot lat="0" lon="0" rev="2700000"/>
+            </a:lightRig>
           </a:scene3d>
-          <a:sp3d contourW="6350" prstMaterial="matte">
-            <a:bevelT w="101600" h="101600"/>
+          <a:sp3d>
+            <a:bevelT h="38100"/>
             <a:contourClr>
-              <a:srgbClr val="969696"/>
-            </a:contourClr>
-          </a:sp3d>
-        </p:spPr>
-      </p:pic>
-      <p:pic>
-        <p:nvPicPr>
-          <p:cNvPr id="11" name="Picture 10" descr="A screenshot of a computer&#10;&#10;AI-generated content may be incorrect.">
-            <a:extLst>
-              <a:ext uri="{FF2B5EF4-FFF2-40B4-BE49-F238E27FC236}">
-                <a16:creationId xmlns:a16="http://schemas.microsoft.com/office/drawing/2014/main" id="{16EAB43C-30A1-BF01-70E4-B047DC4E8671}"/>
-              </a:ext>
-            </a:extLst>
-          </p:cNvPr>
-          <p:cNvPicPr>
-            <a:picLocks noChangeAspect="1"/>
-          </p:cNvPicPr>
-          <p:nvPr/>
-        </p:nvPicPr>
-        <p:blipFill>
-          <a:blip r:embed="rId3"/>
-          <a:stretch>
-            <a:fillRect/>
-          </a:stretch>
-        </p:blipFill>
-        <p:spPr>
-          <a:xfrm>
-            <a:off x="3127123" y="4007466"/>
-            <a:ext cx="3513707" cy="2587712"/>
-          </a:xfrm>
-          <a:prstGeom prst="roundRect">
-            <a:avLst>
-              <a:gd name="adj" fmla="val 16667"/>
-            </a:avLst>
-          </a:prstGeom>
-          <a:ln>
-            <a:noFill/>
-          </a:ln>
-          <a:effectLst>
-            <a:outerShdw blurRad="152400" dist="12000" dir="900000" sy="98000" kx="110000" ky="200000" algn="tl" rotWithShape="0">
-              <a:srgbClr val="000000">
-                <a:alpha val="30000"/>
-              </a:srgbClr>
-            </a:outerShdw>
-          </a:effectLst>
-          <a:scene3d>
-            <a:camera prst="perspectiveRelaxed">
-              <a:rot lat="19800000" lon="1200000" rev="20820000"/>
-            </a:camera>
-            <a:lightRig rig="threePt" dir="t"/>
-          </a:scene3d>
-          <a:sp3d contourW="6350" prstMaterial="matte">
-            <a:bevelT w="101600" h="101600"/>
-            <a:contourClr>
-              <a:srgbClr val="969696"/>
+              <a:srgbClr val="C0C0C0"/>
             </a:contourClr>
           </a:sp3d>
         </p:spPr>
@@ -40491,7 +40428,7 @@
           <p:nvPr/>
         </p:nvPicPr>
         <p:blipFill>
-          <a:blip r:embed="rId4"/>
+          <a:blip r:embed="rId3"/>
           <a:srcRect t="5852"/>
           <a:stretch>
             <a:fillRect/>
@@ -40600,6 +40537,51 @@
           </a:p>
         </p:txBody>
       </p:sp>
+      <p:pic>
+        <p:nvPicPr>
+          <p:cNvPr id="7" name="Picture 6" descr="A screenshot of a computer&#10;&#10;AI-generated content may be incorrect.">
+            <a:extLst>
+              <a:ext uri="{FF2B5EF4-FFF2-40B4-BE49-F238E27FC236}">
+                <a16:creationId xmlns:a16="http://schemas.microsoft.com/office/drawing/2014/main" id="{02F2EA53-EA08-58F0-2F7B-D32BA335CE82}"/>
+              </a:ext>
+            </a:extLst>
+          </p:cNvPr>
+          <p:cNvPicPr>
+            <a:picLocks noChangeAspect="1"/>
+          </p:cNvPicPr>
+          <p:nvPr/>
+        </p:nvPicPr>
+        <p:blipFill>
+          <a:blip r:embed="rId4"/>
+          <a:stretch>
+            <a:fillRect/>
+          </a:stretch>
+        </p:blipFill>
+        <p:spPr>
+          <a:xfrm>
+            <a:off x="2780195" y="4040363"/>
+            <a:ext cx="3581322" cy="2580136"/>
+          </a:xfrm>
+          <a:prstGeom prst="rect">
+            <a:avLst/>
+          </a:prstGeom>
+          <a:solidFill>
+            <a:srgbClr val="FFFFFF"/>
+          </a:solidFill>
+          <a:scene3d>
+            <a:camera prst="orthographicFront"/>
+            <a:lightRig rig="threePt" dir="t">
+              <a:rot lat="0" lon="0" rev="2700000"/>
+            </a:lightRig>
+          </a:scene3d>
+          <a:sp3d>
+            <a:bevelT h="38100"/>
+            <a:contourClr>
+              <a:srgbClr val="C0C0C0"/>
+            </a:contourClr>
+          </a:sp3d>
+        </p:spPr>
+      </p:pic>
       <p:sp>
         <p:nvSpPr>
           <p:cNvPr id="5" name="TextBox 4">
@@ -40614,7 +40596,7 @@
         </p:nvSpPr>
         <p:spPr>
           <a:xfrm>
-            <a:off x="3204086" y="6175115"/>
+            <a:off x="2877069" y="6163083"/>
             <a:ext cx="824713" cy="369332"/>
           </a:xfrm>
           <a:prstGeom prst="rect">
@@ -48903,15 +48885,7 @@
             </a:r>
             <a:r>
               <a:rPr lang="en-US" sz="2000" dirty="0"/>
-              <a:t> </a:t>
-            </a:r>
-            <a:r>
-              <a:rPr lang="en-US" sz="2000" dirty="0">
-                <a:highlight>
-                  <a:srgbClr val="FFFF00"/>
-                </a:highlight>
-              </a:rPr>
-              <a:t>9000</a:t>
+              <a:t> 9000</a:t>
             </a:r>
           </a:p>
           <a:p>
@@ -49045,41 +49019,13 @@
             </a:r>
             <a:r>
               <a:rPr lang="en-US" sz="2000" dirty="0"/>
-              <a:t> </a:t>
-            </a:r>
-            <a:r>
-              <a:rPr lang="en-US" sz="2000" dirty="0">
-                <a:highlight>
-                  <a:srgbClr val="FFFF00"/>
-                </a:highlight>
-              </a:rPr>
-              <a:t>127.0.0.1:9000</a:t>
-            </a:r>
-            <a:r>
-              <a:rPr lang="en-US" sz="2000" dirty="0"/>
-              <a:t> </a:t>
-            </a:r>
-            <a:r>
-              <a:rPr lang="en-US" sz="2000" dirty="0">
-                <a:highlight>
-                  <a:srgbClr val="FFFF00"/>
-                </a:highlight>
-              </a:rPr>
-              <a:t>230.30.30.30 ./</a:t>
-            </a:r>
-            <a:r>
-              <a:rPr lang="en-US" sz="2000" dirty="0" err="1">
-                <a:highlight>
-                  <a:srgbClr val="FFFF00"/>
-                </a:highlight>
-              </a:rPr>
+              <a:t> 127.0.0.1:9000 230.30.30.30 ./</a:t>
+            </a:r>
+            <a:r>
+              <a:rPr lang="en-US" sz="2000" dirty="0" err="1"/>
               <a:t>db_storage</a:t>
             </a:r>
-            <a:endParaRPr lang="en-US" sz="2000" dirty="0">
-              <a:highlight>
-                <a:srgbClr val="FFFF00"/>
-              </a:highlight>
-            </a:endParaRPr>
+            <a:endParaRPr lang="en-US" sz="2000" dirty="0"/>
           </a:p>
           <a:p>
             <a:pPr defTabSz="914400">
@@ -49281,15 +49227,7 @@
             </a:r>
             <a:r>
               <a:rPr lang="en-US" sz="2000" dirty="0"/>
-              <a:t> </a:t>
-            </a:r>
-            <a:r>
-              <a:rPr lang="en-US" sz="2000" dirty="0">
-                <a:highlight>
-                  <a:srgbClr val="FFFF00"/>
-                </a:highlight>
-              </a:rPr>
-              <a:t>127.0.0.1 9000</a:t>
+              <a:t> 127.0.0.1 9000</a:t>
             </a:r>
           </a:p>
           <a:p>
